--- a/Assets/Book.pptx
+++ b/Assets/Book.pptx
@@ -13,7 +13,7 @@
     <p:sldId id="259" r:id="rId4"/>
   </p:sldIdLst>
   <p:sldSz cx="12192000" cy="6858000"/>
-  <p:notesSz cx="7010400" cy="9296400"/>
+  <p:notesSz cx="6881813" cy="9296400"/>
   <p:defaultTextStyle>
     <a:defPPr>
       <a:defRPr lang="en-US"/>
@@ -151,8 +151,8 @@
         </p:nvSpPr>
         <p:spPr>
           <a:xfrm>
-            <a:off x="0" y="0"/>
-            <a:ext cx="3038475" cy="466725"/>
+            <a:off x="1" y="1"/>
+            <a:ext cx="2982742" cy="466725"/>
           </a:xfrm>
           <a:prstGeom prst="rect">
             <a:avLst/>
@@ -182,8 +182,8 @@
         </p:nvSpPr>
         <p:spPr>
           <a:xfrm>
-            <a:off x="3970338" y="0"/>
-            <a:ext cx="3038475" cy="466725"/>
+            <a:off x="3897513" y="1"/>
+            <a:ext cx="2982742" cy="466725"/>
           </a:xfrm>
           <a:prstGeom prst="rect">
             <a:avLst/>
@@ -199,7 +199,7 @@
           <a:p>
             <a:fld id="{CF7455F4-6A7E-4209-B7C9-1D2102B3DE76}" type="datetimeFigureOut">
               <a:rPr lang="en-US" smtClean="0"/>
-              <a:t>12/18/2018</a:t>
+              <a:t>12/19/2018</a:t>
             </a:fld>
             <a:endParaRPr lang="en-US"/>
           </a:p>
@@ -217,8 +217,8 @@
         </p:nvSpPr>
         <p:spPr>
           <a:xfrm>
-            <a:off x="717550" y="1162050"/>
-            <a:ext cx="5575300" cy="3136900"/>
+            <a:off x="654050" y="1162050"/>
+            <a:ext cx="5573713" cy="3136900"/>
           </a:xfrm>
           <a:prstGeom prst="rect">
             <a:avLst/>
@@ -250,8 +250,8 @@
         </p:nvSpPr>
         <p:spPr>
           <a:xfrm>
-            <a:off x="701675" y="4473575"/>
-            <a:ext cx="5607050" cy="3660775"/>
+            <a:off x="688805" y="4473576"/>
+            <a:ext cx="5504204" cy="3660775"/>
           </a:xfrm>
           <a:prstGeom prst="rect">
             <a:avLst/>
@@ -310,8 +310,8 @@
         </p:nvSpPr>
         <p:spPr>
           <a:xfrm>
-            <a:off x="0" y="8829675"/>
-            <a:ext cx="3038475" cy="466725"/>
+            <a:off x="1" y="8829676"/>
+            <a:ext cx="2982742" cy="466725"/>
           </a:xfrm>
           <a:prstGeom prst="rect">
             <a:avLst/>
@@ -341,8 +341,8 @@
         </p:nvSpPr>
         <p:spPr>
           <a:xfrm>
-            <a:off x="3970338" y="8829675"/>
-            <a:ext cx="3038475" cy="466725"/>
+            <a:off x="3897513" y="8829676"/>
+            <a:ext cx="2982742" cy="466725"/>
           </a:xfrm>
           <a:prstGeom prst="rect">
             <a:avLst/>
@@ -598,7 +598,7 @@
           <a:p>
             <a:fld id="{244EE165-F9DF-4799-B777-8A203CA9CDFB}" type="datetimeFigureOut">
               <a:rPr lang="en-US" smtClean="0"/>
-              <a:t>12/18/2018</a:t>
+              <a:t>12/19/2018</a:t>
             </a:fld>
             <a:endParaRPr lang="en-US"/>
           </a:p>
@@ -768,7 +768,7 @@
           <a:p>
             <a:fld id="{244EE165-F9DF-4799-B777-8A203CA9CDFB}" type="datetimeFigureOut">
               <a:rPr lang="en-US" smtClean="0"/>
-              <a:t>12/18/2018</a:t>
+              <a:t>12/19/2018</a:t>
             </a:fld>
             <a:endParaRPr lang="en-US"/>
           </a:p>
@@ -948,7 +948,7 @@
           <a:p>
             <a:fld id="{244EE165-F9DF-4799-B777-8A203CA9CDFB}" type="datetimeFigureOut">
               <a:rPr lang="en-US" smtClean="0"/>
-              <a:t>12/18/2018</a:t>
+              <a:t>12/19/2018</a:t>
             </a:fld>
             <a:endParaRPr lang="en-US"/>
           </a:p>
@@ -1118,7 +1118,7 @@
           <a:p>
             <a:fld id="{244EE165-F9DF-4799-B777-8A203CA9CDFB}" type="datetimeFigureOut">
               <a:rPr lang="en-US" smtClean="0"/>
-              <a:t>12/18/2018</a:t>
+              <a:t>12/19/2018</a:t>
             </a:fld>
             <a:endParaRPr lang="en-US"/>
           </a:p>
@@ -1364,7 +1364,7 @@
           <a:p>
             <a:fld id="{244EE165-F9DF-4799-B777-8A203CA9CDFB}" type="datetimeFigureOut">
               <a:rPr lang="en-US" smtClean="0"/>
-              <a:t>12/18/2018</a:t>
+              <a:t>12/19/2018</a:t>
             </a:fld>
             <a:endParaRPr lang="en-US"/>
           </a:p>
@@ -1596,7 +1596,7 @@
           <a:p>
             <a:fld id="{244EE165-F9DF-4799-B777-8A203CA9CDFB}" type="datetimeFigureOut">
               <a:rPr lang="en-US" smtClean="0"/>
-              <a:t>12/18/2018</a:t>
+              <a:t>12/19/2018</a:t>
             </a:fld>
             <a:endParaRPr lang="en-US"/>
           </a:p>
@@ -1963,7 +1963,7 @@
           <a:p>
             <a:fld id="{244EE165-F9DF-4799-B777-8A203CA9CDFB}" type="datetimeFigureOut">
               <a:rPr lang="en-US" smtClean="0"/>
-              <a:t>12/18/2018</a:t>
+              <a:t>12/19/2018</a:t>
             </a:fld>
             <a:endParaRPr lang="en-US"/>
           </a:p>
@@ -2081,7 +2081,7 @@
           <a:p>
             <a:fld id="{244EE165-F9DF-4799-B777-8A203CA9CDFB}" type="datetimeFigureOut">
               <a:rPr lang="en-US" smtClean="0"/>
-              <a:t>12/18/2018</a:t>
+              <a:t>12/19/2018</a:t>
             </a:fld>
             <a:endParaRPr lang="en-US"/>
           </a:p>
@@ -2176,7 +2176,7 @@
           <a:p>
             <a:fld id="{244EE165-F9DF-4799-B777-8A203CA9CDFB}" type="datetimeFigureOut">
               <a:rPr lang="en-US" smtClean="0"/>
-              <a:t>12/18/2018</a:t>
+              <a:t>12/19/2018</a:t>
             </a:fld>
             <a:endParaRPr lang="en-US"/>
           </a:p>
@@ -2453,7 +2453,7 @@
           <a:p>
             <a:fld id="{244EE165-F9DF-4799-B777-8A203CA9CDFB}" type="datetimeFigureOut">
               <a:rPr lang="en-US" smtClean="0"/>
-              <a:t>12/18/2018</a:t>
+              <a:t>12/19/2018</a:t>
             </a:fld>
             <a:endParaRPr lang="en-US"/>
           </a:p>
@@ -2706,7 +2706,7 @@
           <a:p>
             <a:fld id="{244EE165-F9DF-4799-B777-8A203CA9CDFB}" type="datetimeFigureOut">
               <a:rPr lang="en-US" smtClean="0"/>
-              <a:t>12/18/2018</a:t>
+              <a:t>12/19/2018</a:t>
             </a:fld>
             <a:endParaRPr lang="en-US"/>
           </a:p>
@@ -2919,7 +2919,7 @@
           <a:p>
             <a:fld id="{244EE165-F9DF-4799-B777-8A203CA9CDFB}" type="datetimeFigureOut">
               <a:rPr lang="en-US" smtClean="0"/>
-              <a:t>12/18/2018</a:t>
+              <a:t>12/19/2018</a:t>
             </a:fld>
             <a:endParaRPr lang="en-US"/>
           </a:p>
@@ -4138,7 +4138,7 @@
           <a:solidFill>
             <a:schemeClr val="bg1"/>
           </a:solidFill>
-          <a:ln>
+          <a:ln w="57150">
             <a:solidFill>
               <a:srgbClr val="FF0000"/>
             </a:solidFill>
